--- a/ppt/Presentación.pptx
+++ b/ppt/Presentación.pptx
@@ -7,9 +7,8 @@
   <p:sldIdLst>
     <p:sldId id="256" r:id="rId2"/>
     <p:sldId id="258" r:id="rId3"/>
-    <p:sldId id="259" r:id="rId4"/>
-    <p:sldId id="260" r:id="rId5"/>
-    <p:sldId id="261" r:id="rId6"/>
+    <p:sldId id="260" r:id="rId4"/>
+    <p:sldId id="259" r:id="rId5"/>
   </p:sldIdLst>
   <p:sldSz cx="9144000" cy="6858000" type="screen4x3"/>
   <p:notesSz cx="6858000" cy="9144000"/>
@@ -292,6 +291,7 @@
           <a:p>
             <a:fld id="{CD461452-0A70-4E73-BF97-96B72E0C28CC}" type="datetimeFigureOut">
               <a:rPr lang="es-ES" smtClean="0"/>
+              <a:pPr/>
               <a:t>05/12/2022</a:t>
             </a:fld>
             <a:endParaRPr lang="es-ES"/>
@@ -334,6 +334,7 @@
           <a:p>
             <a:fld id="{CC3FBF97-B76A-4B69-96C5-B1163434EBE9}" type="slidenum">
               <a:rPr lang="es-ES" smtClean="0"/>
+              <a:pPr/>
               <a:t>‹Nº›</a:t>
             </a:fld>
             <a:endParaRPr lang="es-ES"/>
@@ -457,6 +458,7 @@
           <a:p>
             <a:fld id="{CD461452-0A70-4E73-BF97-96B72E0C28CC}" type="datetimeFigureOut">
               <a:rPr lang="es-ES" smtClean="0"/>
+              <a:pPr/>
               <a:t>05/12/2022</a:t>
             </a:fld>
             <a:endParaRPr lang="es-ES"/>
@@ -499,6 +501,7 @@
           <a:p>
             <a:fld id="{CC3FBF97-B76A-4B69-96C5-B1163434EBE9}" type="slidenum">
               <a:rPr lang="es-ES" smtClean="0"/>
+              <a:pPr/>
               <a:t>‹Nº›</a:t>
             </a:fld>
             <a:endParaRPr lang="es-ES"/>
@@ -632,6 +635,7 @@
           <a:p>
             <a:fld id="{CD461452-0A70-4E73-BF97-96B72E0C28CC}" type="datetimeFigureOut">
               <a:rPr lang="es-ES" smtClean="0"/>
+              <a:pPr/>
               <a:t>05/12/2022</a:t>
             </a:fld>
             <a:endParaRPr lang="es-ES"/>
@@ -674,6 +678,7 @@
           <a:p>
             <a:fld id="{CC3FBF97-B76A-4B69-96C5-B1163434EBE9}" type="slidenum">
               <a:rPr lang="es-ES" smtClean="0"/>
+              <a:pPr/>
               <a:t>‹Nº›</a:t>
             </a:fld>
             <a:endParaRPr lang="es-ES"/>
@@ -797,6 +802,7 @@
           <a:p>
             <a:fld id="{CD461452-0A70-4E73-BF97-96B72E0C28CC}" type="datetimeFigureOut">
               <a:rPr lang="es-ES" smtClean="0"/>
+              <a:pPr/>
               <a:t>05/12/2022</a:t>
             </a:fld>
             <a:endParaRPr lang="es-ES"/>
@@ -839,6 +845,7 @@
           <a:p>
             <a:fld id="{CC3FBF97-B76A-4B69-96C5-B1163434EBE9}" type="slidenum">
               <a:rPr lang="es-ES" smtClean="0"/>
+              <a:pPr/>
               <a:t>‹Nº›</a:t>
             </a:fld>
             <a:endParaRPr lang="es-ES"/>
@@ -1038,6 +1045,7 @@
           <a:p>
             <a:fld id="{CD461452-0A70-4E73-BF97-96B72E0C28CC}" type="datetimeFigureOut">
               <a:rPr lang="es-ES" smtClean="0"/>
+              <a:pPr/>
               <a:t>05/12/2022</a:t>
             </a:fld>
             <a:endParaRPr lang="es-ES"/>
@@ -1080,6 +1088,7 @@
           <a:p>
             <a:fld id="{CC3FBF97-B76A-4B69-96C5-B1163434EBE9}" type="slidenum">
               <a:rPr lang="es-ES" smtClean="0"/>
+              <a:pPr/>
               <a:t>‹Nº›</a:t>
             </a:fld>
             <a:endParaRPr lang="es-ES"/>
@@ -1321,6 +1330,7 @@
           <a:p>
             <a:fld id="{CD461452-0A70-4E73-BF97-96B72E0C28CC}" type="datetimeFigureOut">
               <a:rPr lang="es-ES" smtClean="0"/>
+              <a:pPr/>
               <a:t>05/12/2022</a:t>
             </a:fld>
             <a:endParaRPr lang="es-ES"/>
@@ -1363,6 +1373,7 @@
           <a:p>
             <a:fld id="{CC3FBF97-B76A-4B69-96C5-B1163434EBE9}" type="slidenum">
               <a:rPr lang="es-ES" smtClean="0"/>
+              <a:pPr/>
               <a:t>‹Nº›</a:t>
             </a:fld>
             <a:endParaRPr lang="es-ES"/>
@@ -1738,6 +1749,7 @@
           <a:p>
             <a:fld id="{CD461452-0A70-4E73-BF97-96B72E0C28CC}" type="datetimeFigureOut">
               <a:rPr lang="es-ES" smtClean="0"/>
+              <a:pPr/>
               <a:t>05/12/2022</a:t>
             </a:fld>
             <a:endParaRPr lang="es-ES"/>
@@ -1780,6 +1792,7 @@
           <a:p>
             <a:fld id="{CC3FBF97-B76A-4B69-96C5-B1163434EBE9}" type="slidenum">
               <a:rPr lang="es-ES" smtClean="0"/>
+              <a:pPr/>
               <a:t>‹Nº›</a:t>
             </a:fld>
             <a:endParaRPr lang="es-ES"/>
@@ -1851,6 +1864,7 @@
           <a:p>
             <a:fld id="{CD461452-0A70-4E73-BF97-96B72E0C28CC}" type="datetimeFigureOut">
               <a:rPr lang="es-ES" smtClean="0"/>
+              <a:pPr/>
               <a:t>05/12/2022</a:t>
             </a:fld>
             <a:endParaRPr lang="es-ES"/>
@@ -1893,6 +1907,7 @@
           <a:p>
             <a:fld id="{CC3FBF97-B76A-4B69-96C5-B1163434EBE9}" type="slidenum">
               <a:rPr lang="es-ES" smtClean="0"/>
+              <a:pPr/>
               <a:t>‹Nº›</a:t>
             </a:fld>
             <a:endParaRPr lang="es-ES"/>
@@ -1941,6 +1956,7 @@
           <a:p>
             <a:fld id="{CD461452-0A70-4E73-BF97-96B72E0C28CC}" type="datetimeFigureOut">
               <a:rPr lang="es-ES" smtClean="0"/>
+              <a:pPr/>
               <a:t>05/12/2022</a:t>
             </a:fld>
             <a:endParaRPr lang="es-ES"/>
@@ -1983,6 +1999,7 @@
           <a:p>
             <a:fld id="{CC3FBF97-B76A-4B69-96C5-B1163434EBE9}" type="slidenum">
               <a:rPr lang="es-ES" smtClean="0"/>
+              <a:pPr/>
               <a:t>‹Nº›</a:t>
             </a:fld>
             <a:endParaRPr lang="es-ES"/>
@@ -2213,6 +2230,7 @@
           <a:p>
             <a:fld id="{CD461452-0A70-4E73-BF97-96B72E0C28CC}" type="datetimeFigureOut">
               <a:rPr lang="es-ES" smtClean="0"/>
+              <a:pPr/>
               <a:t>05/12/2022</a:t>
             </a:fld>
             <a:endParaRPr lang="es-ES"/>
@@ -2255,6 +2273,7 @@
           <a:p>
             <a:fld id="{CC3FBF97-B76A-4B69-96C5-B1163434EBE9}" type="slidenum">
               <a:rPr lang="es-ES" smtClean="0"/>
+              <a:pPr/>
               <a:t>‹Nº›</a:t>
             </a:fld>
             <a:endParaRPr lang="es-ES"/>
@@ -2461,6 +2480,7 @@
           <a:p>
             <a:fld id="{CD461452-0A70-4E73-BF97-96B72E0C28CC}" type="datetimeFigureOut">
               <a:rPr lang="es-ES" smtClean="0"/>
+              <a:pPr/>
               <a:t>05/12/2022</a:t>
             </a:fld>
             <a:endParaRPr lang="es-ES"/>
@@ -2503,6 +2523,7 @@
           <a:p>
             <a:fld id="{CC3FBF97-B76A-4B69-96C5-B1163434EBE9}" type="slidenum">
               <a:rPr lang="es-ES" smtClean="0"/>
+              <a:pPr/>
               <a:t>‹Nº›</a:t>
             </a:fld>
             <a:endParaRPr lang="es-ES"/>
@@ -2669,6 +2690,7 @@
           <a:p>
             <a:fld id="{CD461452-0A70-4E73-BF97-96B72E0C28CC}" type="datetimeFigureOut">
               <a:rPr lang="es-ES" smtClean="0"/>
+              <a:pPr/>
               <a:t>05/12/2022</a:t>
             </a:fld>
             <a:endParaRPr lang="es-ES"/>
@@ -2747,6 +2769,7 @@
           <a:p>
             <a:fld id="{CC3FBF97-B76A-4B69-96C5-B1163434EBE9}" type="slidenum">
               <a:rPr lang="es-ES" smtClean="0"/>
+              <a:pPr/>
               <a:t>‹Nº›</a:t>
             </a:fld>
             <a:endParaRPr lang="es-ES"/>
@@ -3085,91 +3108,6 @@
           </a:p>
         </p:txBody>
       </p:sp>
-      <p:sp>
-        <p:nvSpPr>
-          <p:cNvPr id="5" name="4 CuadroTexto"/>
-          <p:cNvSpPr txBox="1"/>
-          <p:nvPr/>
-        </p:nvSpPr>
-        <p:spPr>
-          <a:xfrm>
-            <a:off x="0" y="0"/>
-            <a:ext cx="10001288" cy="954107"/>
-          </a:xfrm>
-          <a:prstGeom prst="rect">
-            <a:avLst/>
-          </a:prstGeom>
-          <a:noFill/>
-        </p:spPr>
-        <p:txBody>
-          <a:bodyPr wrap="square" rtlCol="0">
-            <a:spAutoFit/>
-          </a:bodyPr>
-          <a:lstStyle/>
-          <a:p>
-            <a:r>
-              <a:rPr lang="es-ES" sz="3600" b="1" dirty="0" smtClean="0">
-                <a:solidFill>
-                  <a:schemeClr val="accent5">
-                    <a:lumMod val="50000"/>
-                  </a:schemeClr>
-                </a:solidFill>
-              </a:rPr>
-              <a:t> </a:t>
-            </a:r>
-            <a:r>
-              <a:rPr lang="es-ES" sz="3600" b="1" dirty="0" err="1" smtClean="0">
-                <a:solidFill>
-                  <a:schemeClr val="accent5">
-                    <a:lumMod val="50000"/>
-                  </a:schemeClr>
-                </a:solidFill>
-              </a:rPr>
-              <a:t>Kaggle</a:t>
-            </a:r>
-            <a:r>
-              <a:rPr lang="es-ES" sz="3600" b="1" dirty="0" smtClean="0">
-                <a:solidFill>
-                  <a:schemeClr val="accent5">
-                    <a:lumMod val="50000"/>
-                  </a:schemeClr>
-                </a:solidFill>
-              </a:rPr>
-              <a:t> </a:t>
-            </a:r>
-            <a:r>
-              <a:rPr lang="es-ES" sz="3600" b="1" dirty="0" err="1" smtClean="0">
-                <a:solidFill>
-                  <a:schemeClr val="accent5">
-                    <a:lumMod val="50000"/>
-                  </a:schemeClr>
-                </a:solidFill>
-              </a:rPr>
-              <a:t>Competition</a:t>
-            </a:r>
-            <a:r>
-              <a:rPr lang="es-ES" sz="3600" b="1" dirty="0" smtClean="0">
-                <a:solidFill>
-                  <a:schemeClr val="accent5">
-                    <a:lumMod val="50000"/>
-                  </a:schemeClr>
-                </a:solidFill>
-              </a:rPr>
-              <a:t>: Predicción salarios DATA</a:t>
-            </a:r>
-            <a:endParaRPr lang="es-ES" sz="3600" b="1" dirty="0">
-              <a:solidFill>
-                <a:schemeClr val="accent5">
-                  <a:lumMod val="50000"/>
-                </a:schemeClr>
-              </a:solidFill>
-            </a:endParaRPr>
-          </a:p>
-          <a:p>
-            <a:endParaRPr lang="es-ES" dirty="0"/>
-          </a:p>
-        </p:txBody>
-      </p:sp>
       <p:pic>
         <p:nvPicPr>
           <p:cNvPr id="1027" name="Picture 3" descr="C:\Users\aaron\AAROON\IRONHACK_BOOTCAMP_DATA\7_machine_learning\proyecto\w7_Kaggle_Competition\img\Data-Scientist-Salary.png"/>
@@ -3187,8 +3125,8 @@
         </p:blipFill>
         <p:spPr bwMode="auto">
           <a:xfrm>
-            <a:off x="285720" y="836771"/>
-            <a:ext cx="8429684" cy="6021229"/>
+            <a:off x="642910" y="1193963"/>
+            <a:ext cx="7929618" cy="5664037"/>
           </a:xfrm>
           <a:prstGeom prst="rect">
             <a:avLst/>
@@ -3196,6 +3134,120 @@
           <a:noFill/>
         </p:spPr>
       </p:pic>
+      <p:sp>
+        <p:nvSpPr>
+          <p:cNvPr id="5" name="4 CuadroTexto"/>
+          <p:cNvSpPr txBox="1"/>
+          <p:nvPr/>
+        </p:nvSpPr>
+        <p:spPr>
+          <a:xfrm>
+            <a:off x="214282" y="0"/>
+            <a:ext cx="8572528" cy="1538883"/>
+          </a:xfrm>
+          <a:prstGeom prst="rect">
+            <a:avLst/>
+          </a:prstGeom>
+          <a:noFill/>
+        </p:spPr>
+        <p:txBody>
+          <a:bodyPr wrap="square" rtlCol="0">
+            <a:spAutoFit/>
+          </a:bodyPr>
+          <a:lstStyle/>
+          <a:p>
+            <a:r>
+              <a:rPr lang="es-ES" sz="3600" b="1" dirty="0" smtClean="0">
+                <a:solidFill>
+                  <a:schemeClr val="accent5">
+                    <a:lumMod val="50000"/>
+                  </a:schemeClr>
+                </a:solidFill>
+              </a:rPr>
+              <a:t> </a:t>
+            </a:r>
+            <a:r>
+              <a:rPr lang="es-ES" sz="3800" b="1" dirty="0" err="1" smtClean="0">
+                <a:solidFill>
+                  <a:schemeClr val="accent5">
+                    <a:lumMod val="50000"/>
+                  </a:schemeClr>
+                </a:solidFill>
+              </a:rPr>
+              <a:t>Kaggle</a:t>
+            </a:r>
+            <a:r>
+              <a:rPr lang="es-ES" sz="3800" b="1" dirty="0" smtClean="0">
+                <a:solidFill>
+                  <a:schemeClr val="accent5">
+                    <a:lumMod val="50000"/>
+                  </a:schemeClr>
+                </a:solidFill>
+              </a:rPr>
+              <a:t> </a:t>
+            </a:r>
+            <a:r>
+              <a:rPr lang="es-ES" sz="3800" b="1" dirty="0" err="1" smtClean="0">
+                <a:solidFill>
+                  <a:schemeClr val="accent5">
+                    <a:lumMod val="50000"/>
+                  </a:schemeClr>
+                </a:solidFill>
+              </a:rPr>
+              <a:t>Competition</a:t>
+            </a:r>
+            <a:r>
+              <a:rPr lang="es-ES" sz="3800" b="1" dirty="0" smtClean="0">
+                <a:solidFill>
+                  <a:schemeClr val="accent5">
+                    <a:lumMod val="50000"/>
+                  </a:schemeClr>
+                </a:solidFill>
+              </a:rPr>
+              <a:t>: </a:t>
+            </a:r>
+            <a:endParaRPr lang="es-ES" sz="3800" b="1" dirty="0" smtClean="0">
+              <a:solidFill>
+                <a:schemeClr val="accent5">
+                  <a:lumMod val="50000"/>
+                </a:schemeClr>
+              </a:solidFill>
+            </a:endParaRPr>
+          </a:p>
+          <a:p>
+            <a:r>
+              <a:rPr lang="es-ES" sz="3800" b="1" dirty="0" smtClean="0">
+                <a:solidFill>
+                  <a:schemeClr val="accent5">
+                    <a:lumMod val="50000"/>
+                  </a:schemeClr>
+                </a:solidFill>
+              </a:rPr>
+              <a:t>		Predicción </a:t>
+            </a:r>
+            <a:r>
+              <a:rPr lang="es-ES" sz="3800" b="1" dirty="0" smtClean="0">
+                <a:solidFill>
+                  <a:schemeClr val="accent5">
+                    <a:lumMod val="50000"/>
+                  </a:schemeClr>
+                </a:solidFill>
+              </a:rPr>
+              <a:t>salarios DATA</a:t>
+            </a:r>
+            <a:endParaRPr lang="es-ES" sz="3800" b="1" dirty="0">
+              <a:solidFill>
+                <a:schemeClr val="accent5">
+                  <a:lumMod val="50000"/>
+                </a:schemeClr>
+              </a:solidFill>
+            </a:endParaRPr>
+          </a:p>
+          <a:p>
+            <a:endParaRPr lang="es-ES" dirty="0"/>
+          </a:p>
+        </p:txBody>
+      </p:sp>
     </p:spTree>
   </p:cSld>
   <p:clrMapOvr>
@@ -3239,12 +3291,35 @@
             <p:ph type="title"/>
           </p:nvPr>
         </p:nvSpPr>
-        <p:spPr/>
-        <p:txBody>
-          <a:bodyPr/>
-          <a:lstStyle/>
-          <a:p>
-            <a:endParaRPr lang="es-ES"/>
+        <p:spPr>
+          <a:xfrm>
+            <a:off x="428596" y="0"/>
+            <a:ext cx="8229600" cy="1011222"/>
+          </a:xfrm>
+        </p:spPr>
+        <p:txBody>
+          <a:bodyPr>
+            <a:normAutofit/>
+          </a:bodyPr>
+          <a:lstStyle/>
+          <a:p>
+            <a:r>
+              <a:rPr lang="es-ES" sz="3800" b="1" dirty="0" smtClean="0">
+                <a:solidFill>
+                  <a:schemeClr val="accent5">
+                    <a:lumMod val="50000"/>
+                  </a:schemeClr>
+                </a:solidFill>
+              </a:rPr>
+              <a:t>OBJETIVO</a:t>
+            </a:r>
+            <a:endParaRPr lang="es-ES" sz="3800" b="1" dirty="0">
+              <a:solidFill>
+                <a:schemeClr val="accent5">
+                  <a:lumMod val="50000"/>
+                </a:schemeClr>
+              </a:solidFill>
+            </a:endParaRPr>
           </a:p>
         </p:txBody>
       </p:sp>
@@ -3258,12 +3333,441 @@
             <p:ph idx="1"/>
           </p:nvPr>
         </p:nvSpPr>
-        <p:spPr/>
-        <p:txBody>
-          <a:bodyPr/>
-          <a:lstStyle/>
-          <a:p>
-            <a:endParaRPr lang="es-ES"/>
+        <p:spPr>
+          <a:xfrm>
+            <a:off x="285720" y="928670"/>
+            <a:ext cx="8643998" cy="1071570"/>
+          </a:xfrm>
+        </p:spPr>
+        <p:txBody>
+          <a:bodyPr>
+            <a:normAutofit fontScale="85000" lnSpcReduction="20000"/>
+          </a:bodyPr>
+          <a:lstStyle/>
+          <a:p>
+            <a:pPr>
+              <a:buNone/>
+            </a:pPr>
+            <a:r>
+              <a:rPr lang="es-ES" sz="2800" dirty="0" smtClean="0"/>
+              <a:t>	Entrenar </a:t>
+            </a:r>
+            <a:r>
+              <a:rPr lang="es-ES" sz="2800" dirty="0" smtClean="0"/>
+              <a:t>el mejor modelo predictivo posible de </a:t>
+            </a:r>
+            <a:r>
+              <a:rPr lang="es-ES" sz="2800" dirty="0" smtClean="0"/>
+              <a:t>Machine </a:t>
+            </a:r>
+            <a:r>
+              <a:rPr lang="es-ES" sz="2800" dirty="0" err="1" smtClean="0"/>
+              <a:t>Learning</a:t>
+            </a:r>
+            <a:r>
+              <a:rPr lang="es-ES" sz="2800" dirty="0" smtClean="0"/>
+              <a:t>, que calcule el salario de un </a:t>
+            </a:r>
+            <a:r>
+              <a:rPr lang="es-ES" sz="2800" dirty="0" smtClean="0"/>
+              <a:t>conjunto </a:t>
+            </a:r>
+            <a:r>
+              <a:rPr lang="es-ES" sz="2800" dirty="0" smtClean="0"/>
+              <a:t>de datos sobre trabajos de Data.</a:t>
+            </a:r>
+            <a:endParaRPr lang="es-ES" sz="2800" dirty="0"/>
+          </a:p>
+        </p:txBody>
+      </p:sp>
+      <p:sp>
+        <p:nvSpPr>
+          <p:cNvPr id="4" name="1 Título"/>
+          <p:cNvSpPr txBox="1">
+            <a:spLocks/>
+          </p:cNvSpPr>
+          <p:nvPr/>
+        </p:nvSpPr>
+        <p:spPr>
+          <a:xfrm>
+            <a:off x="500034" y="2143116"/>
+            <a:ext cx="8229600" cy="1011222"/>
+          </a:xfrm>
+          <a:prstGeom prst="rect">
+            <a:avLst/>
+          </a:prstGeom>
+        </p:spPr>
+        <p:txBody>
+          <a:bodyPr vert="horz" lIns="91440" tIns="45720" rIns="91440" bIns="45720" rtlCol="0" anchor="ctr">
+            <a:normAutofit/>
+          </a:bodyPr>
+          <a:lstStyle/>
+          <a:p>
+            <a:pPr marL="0" marR="0" lvl="0" indent="0" algn="ctr" defTabSz="914400" rtl="0" eaLnBrk="1" fontAlgn="auto" latinLnBrk="0" hangingPunct="1">
+              <a:lnSpc>
+                <a:spcPct val="100000"/>
+              </a:lnSpc>
+              <a:spcBef>
+                <a:spcPct val="0"/>
+              </a:spcBef>
+              <a:spcAft>
+                <a:spcPts val="0"/>
+              </a:spcAft>
+              <a:buClrTx/>
+              <a:buSzTx/>
+              <a:buFontTx/>
+              <a:buNone/>
+              <a:tabLst/>
+              <a:defRPr/>
+            </a:pPr>
+            <a:r>
+              <a:rPr kumimoji="0" lang="es-ES" sz="3800" b="1" i="0" u="none" strike="noStrike" kern="1200" cap="none" spc="0" normalizeH="0" baseline="0" noProof="0" dirty="0" smtClean="0">
+                <a:ln>
+                  <a:noFill/>
+                </a:ln>
+                <a:solidFill>
+                  <a:schemeClr val="accent5">
+                    <a:lumMod val="50000"/>
+                  </a:schemeClr>
+                </a:solidFill>
+                <a:effectLst/>
+                <a:uLnTx/>
+                <a:uFillTx/>
+                <a:latin typeface="+mj-lt"/>
+                <a:ea typeface="+mj-ea"/>
+                <a:cs typeface="+mj-cs"/>
+              </a:rPr>
+              <a:t>FLUJO</a:t>
+            </a:r>
+            <a:r>
+              <a:rPr kumimoji="0" lang="es-ES" sz="3800" b="1" i="0" u="none" strike="noStrike" kern="1200" cap="none" spc="0" normalizeH="0" noProof="0" dirty="0" smtClean="0">
+                <a:ln>
+                  <a:noFill/>
+                </a:ln>
+                <a:solidFill>
+                  <a:schemeClr val="accent5">
+                    <a:lumMod val="50000"/>
+                  </a:schemeClr>
+                </a:solidFill>
+                <a:effectLst/>
+                <a:uLnTx/>
+                <a:uFillTx/>
+                <a:latin typeface="+mj-lt"/>
+                <a:ea typeface="+mj-ea"/>
+                <a:cs typeface="+mj-cs"/>
+              </a:rPr>
+              <a:t> DE TRABAJO</a:t>
+            </a:r>
+            <a:endParaRPr kumimoji="0" lang="es-ES" sz="3800" b="1" i="0" u="none" strike="noStrike" kern="1200" cap="none" spc="0" normalizeH="0" baseline="0" noProof="0" dirty="0">
+              <a:ln>
+                <a:noFill/>
+              </a:ln>
+              <a:solidFill>
+                <a:schemeClr val="accent5">
+                  <a:lumMod val="50000"/>
+                </a:schemeClr>
+              </a:solidFill>
+              <a:effectLst/>
+              <a:uLnTx/>
+              <a:uFillTx/>
+              <a:latin typeface="+mj-lt"/>
+              <a:ea typeface="+mj-ea"/>
+              <a:cs typeface="+mj-cs"/>
+            </a:endParaRPr>
+          </a:p>
+        </p:txBody>
+      </p:sp>
+      <p:sp>
+        <p:nvSpPr>
+          <p:cNvPr id="13" name="12 Rectángulo redondeado"/>
+          <p:cNvSpPr/>
+          <p:nvPr/>
+        </p:nvSpPr>
+        <p:spPr>
+          <a:xfrm>
+            <a:off x="1000100" y="3286124"/>
+            <a:ext cx="2700000" cy="720000"/>
+          </a:xfrm>
+          <a:prstGeom prst="roundRect">
+            <a:avLst/>
+          </a:prstGeom>
+        </p:spPr>
+        <p:style>
+          <a:lnRef idx="2">
+            <a:schemeClr val="accent1">
+              <a:shade val="50000"/>
+            </a:schemeClr>
+          </a:lnRef>
+          <a:fillRef idx="1">
+            <a:schemeClr val="accent1"/>
+          </a:fillRef>
+          <a:effectRef idx="0">
+            <a:schemeClr val="accent1"/>
+          </a:effectRef>
+          <a:fontRef idx="minor">
+            <a:schemeClr val="lt1"/>
+          </a:fontRef>
+        </p:style>
+        <p:txBody>
+          <a:bodyPr rtlCol="0" anchor="ctr"/>
+          <a:lstStyle/>
+          <a:p>
+            <a:pPr algn="ctr"/>
+            <a:r>
+              <a:rPr lang="es-ES" dirty="0" smtClean="0"/>
+              <a:t>1.- Análisis exploratorio y limpieza de datos</a:t>
+            </a:r>
+          </a:p>
+        </p:txBody>
+      </p:sp>
+      <p:sp>
+        <p:nvSpPr>
+          <p:cNvPr id="14" name="13 Rectángulo redondeado"/>
+          <p:cNvSpPr/>
+          <p:nvPr/>
+        </p:nvSpPr>
+        <p:spPr>
+          <a:xfrm>
+            <a:off x="1000100" y="4357694"/>
+            <a:ext cx="2700000" cy="720000"/>
+          </a:xfrm>
+          <a:prstGeom prst="roundRect">
+            <a:avLst/>
+          </a:prstGeom>
+        </p:spPr>
+        <p:style>
+          <a:lnRef idx="2">
+            <a:schemeClr val="accent1">
+              <a:shade val="50000"/>
+            </a:schemeClr>
+          </a:lnRef>
+          <a:fillRef idx="1">
+            <a:schemeClr val="accent1"/>
+          </a:fillRef>
+          <a:effectRef idx="0">
+            <a:schemeClr val="accent1"/>
+          </a:effectRef>
+          <a:fontRef idx="minor">
+            <a:schemeClr val="lt1"/>
+          </a:fontRef>
+        </p:style>
+        <p:txBody>
+          <a:bodyPr rtlCol="0" anchor="ctr"/>
+          <a:lstStyle/>
+          <a:p>
+            <a:pPr algn="ctr"/>
+            <a:r>
+              <a:rPr lang="es-ES" dirty="0" smtClean="0"/>
+              <a:t>2.-</a:t>
+            </a:r>
+            <a:r>
+              <a:rPr lang="es-ES" dirty="0" smtClean="0"/>
+              <a:t> Transformación de los datos</a:t>
+            </a:r>
+          </a:p>
+        </p:txBody>
+      </p:sp>
+      <p:sp>
+        <p:nvSpPr>
+          <p:cNvPr id="15" name="14 Rectángulo redondeado"/>
+          <p:cNvSpPr/>
+          <p:nvPr/>
+        </p:nvSpPr>
+        <p:spPr>
+          <a:xfrm>
+            <a:off x="1000100" y="5357826"/>
+            <a:ext cx="2700000" cy="720000"/>
+          </a:xfrm>
+          <a:prstGeom prst="roundRect">
+            <a:avLst/>
+          </a:prstGeom>
+        </p:spPr>
+        <p:style>
+          <a:lnRef idx="2">
+            <a:schemeClr val="accent1">
+              <a:shade val="50000"/>
+            </a:schemeClr>
+          </a:lnRef>
+          <a:fillRef idx="1">
+            <a:schemeClr val="accent1"/>
+          </a:fillRef>
+          <a:effectRef idx="0">
+            <a:schemeClr val="accent1"/>
+          </a:effectRef>
+          <a:fontRef idx="minor">
+            <a:schemeClr val="lt1"/>
+          </a:fontRef>
+        </p:style>
+        <p:txBody>
+          <a:bodyPr rtlCol="0" anchor="ctr"/>
+          <a:lstStyle/>
+          <a:p>
+            <a:pPr algn="ctr"/>
+            <a:r>
+              <a:rPr lang="es-ES" dirty="0" smtClean="0"/>
+              <a:t>3.- </a:t>
+            </a:r>
+            <a:r>
+              <a:rPr lang="es-ES" dirty="0" smtClean="0"/>
+              <a:t>Separar el </a:t>
+            </a:r>
+            <a:r>
+              <a:rPr lang="es-ES" dirty="0" err="1" smtClean="0"/>
+              <a:t>dateset</a:t>
+            </a:r>
+            <a:r>
+              <a:rPr lang="es-ES" dirty="0" smtClean="0"/>
+              <a:t> </a:t>
+            </a:r>
+            <a:r>
+              <a:rPr lang="es-ES" dirty="0" smtClean="0"/>
+              <a:t>(</a:t>
+            </a:r>
+            <a:r>
+              <a:rPr lang="es-ES" dirty="0" smtClean="0"/>
+              <a:t>Train, test)</a:t>
+            </a:r>
+          </a:p>
+        </p:txBody>
+      </p:sp>
+      <p:sp>
+        <p:nvSpPr>
+          <p:cNvPr id="16" name="15 Rectángulo redondeado"/>
+          <p:cNvSpPr/>
+          <p:nvPr/>
+        </p:nvSpPr>
+        <p:spPr>
+          <a:xfrm>
+            <a:off x="4714876" y="3286124"/>
+            <a:ext cx="2700000" cy="720000"/>
+          </a:xfrm>
+          <a:prstGeom prst="roundRect">
+            <a:avLst/>
+          </a:prstGeom>
+        </p:spPr>
+        <p:style>
+          <a:lnRef idx="2">
+            <a:schemeClr val="accent1">
+              <a:shade val="50000"/>
+            </a:schemeClr>
+          </a:lnRef>
+          <a:fillRef idx="1">
+            <a:schemeClr val="accent1"/>
+          </a:fillRef>
+          <a:effectRef idx="0">
+            <a:schemeClr val="accent1"/>
+          </a:effectRef>
+          <a:fontRef idx="minor">
+            <a:schemeClr val="lt1"/>
+          </a:fontRef>
+        </p:style>
+        <p:txBody>
+          <a:bodyPr rtlCol="0" anchor="ctr"/>
+          <a:lstStyle/>
+          <a:p>
+            <a:pPr algn="ctr"/>
+            <a:r>
+              <a:rPr lang="es-ES" dirty="0" smtClean="0"/>
+              <a:t>4.- </a:t>
+            </a:r>
+            <a:r>
+              <a:rPr lang="es-ES" dirty="0" smtClean="0"/>
+              <a:t>Entrenar modelos </a:t>
+            </a:r>
+          </a:p>
+        </p:txBody>
+      </p:sp>
+      <p:sp>
+        <p:nvSpPr>
+          <p:cNvPr id="17" name="16 Rectángulo redondeado"/>
+          <p:cNvSpPr/>
+          <p:nvPr/>
+        </p:nvSpPr>
+        <p:spPr>
+          <a:xfrm>
+            <a:off x="4714876" y="5357826"/>
+            <a:ext cx="2700000" cy="720000"/>
+          </a:xfrm>
+          <a:prstGeom prst="roundRect">
+            <a:avLst/>
+          </a:prstGeom>
+        </p:spPr>
+        <p:style>
+          <a:lnRef idx="2">
+            <a:schemeClr val="accent1">
+              <a:shade val="50000"/>
+            </a:schemeClr>
+          </a:lnRef>
+          <a:fillRef idx="1">
+            <a:schemeClr val="accent1"/>
+          </a:fillRef>
+          <a:effectRef idx="0">
+            <a:schemeClr val="accent1"/>
+          </a:effectRef>
+          <a:fontRef idx="minor">
+            <a:schemeClr val="lt1"/>
+          </a:fontRef>
+        </p:style>
+        <p:txBody>
+          <a:bodyPr rtlCol="0" anchor="ctr"/>
+          <a:lstStyle/>
+          <a:p>
+            <a:pPr algn="ctr"/>
+            <a:r>
+              <a:rPr lang="es-ES" dirty="0" smtClean="0"/>
+              <a:t>6.- </a:t>
+            </a:r>
+            <a:r>
+              <a:rPr lang="es-ES" dirty="0" smtClean="0"/>
+              <a:t>Evaluar el modelo</a:t>
+            </a:r>
+          </a:p>
+        </p:txBody>
+      </p:sp>
+      <p:sp>
+        <p:nvSpPr>
+          <p:cNvPr id="18" name="17 Rectángulo redondeado"/>
+          <p:cNvSpPr/>
+          <p:nvPr/>
+        </p:nvSpPr>
+        <p:spPr>
+          <a:xfrm>
+            <a:off x="4714876" y="4357694"/>
+            <a:ext cx="2700000" cy="720000"/>
+          </a:xfrm>
+          <a:prstGeom prst="roundRect">
+            <a:avLst/>
+          </a:prstGeom>
+        </p:spPr>
+        <p:style>
+          <a:lnRef idx="2">
+            <a:schemeClr val="accent1">
+              <a:shade val="50000"/>
+            </a:schemeClr>
+          </a:lnRef>
+          <a:fillRef idx="1">
+            <a:schemeClr val="accent1"/>
+          </a:fillRef>
+          <a:effectRef idx="0">
+            <a:schemeClr val="accent1"/>
+          </a:effectRef>
+          <a:fontRef idx="minor">
+            <a:schemeClr val="lt1"/>
+          </a:fontRef>
+        </p:style>
+        <p:txBody>
+          <a:bodyPr rtlCol="0" anchor="ctr"/>
+          <a:lstStyle/>
+          <a:p>
+            <a:pPr algn="ctr"/>
+            <a:r>
+              <a:rPr lang="es-ES" dirty="0" smtClean="0"/>
+              <a:t>5.- </a:t>
+            </a:r>
+            <a:r>
+              <a:rPr lang="es-ES" dirty="0" smtClean="0"/>
+              <a:t>Predecir el modelo con el test</a:t>
+            </a:r>
           </a:p>
         </p:txBody>
       </p:sp>
@@ -3310,12 +3814,35 @@
             <p:ph type="title"/>
           </p:nvPr>
         </p:nvSpPr>
-        <p:spPr/>
-        <p:txBody>
-          <a:bodyPr/>
-          <a:lstStyle/>
-          <a:p>
-            <a:endParaRPr lang="es-ES"/>
+        <p:spPr>
+          <a:xfrm>
+            <a:off x="571472" y="0"/>
+            <a:ext cx="8015286" cy="1071546"/>
+          </a:xfrm>
+        </p:spPr>
+        <p:txBody>
+          <a:bodyPr>
+            <a:normAutofit/>
+          </a:bodyPr>
+          <a:lstStyle/>
+          <a:p>
+            <a:r>
+              <a:rPr lang="es-ES" sz="3800" b="1" dirty="0" smtClean="0">
+                <a:solidFill>
+                  <a:schemeClr val="accent5">
+                    <a:lumMod val="50000"/>
+                  </a:schemeClr>
+                </a:solidFill>
+              </a:rPr>
+              <a:t>TRANSFORMACIONES</a:t>
+            </a:r>
+            <a:endParaRPr lang="es-ES" sz="3800" b="1" dirty="0">
+              <a:solidFill>
+                <a:schemeClr val="accent5">
+                  <a:lumMod val="50000"/>
+                </a:schemeClr>
+              </a:solidFill>
+            </a:endParaRPr>
           </a:p>
         </p:txBody>
       </p:sp>
@@ -3329,12 +3856,959 @@
             <p:ph idx="1"/>
           </p:nvPr>
         </p:nvSpPr>
-        <p:spPr/>
-        <p:txBody>
-          <a:bodyPr/>
-          <a:lstStyle/>
-          <a:p>
-            <a:endParaRPr lang="es-ES"/>
+        <p:spPr>
+          <a:xfrm>
+            <a:off x="3714744" y="1357298"/>
+            <a:ext cx="5214974" cy="4786346"/>
+          </a:xfrm>
+        </p:spPr>
+        <p:txBody>
+          <a:bodyPr>
+            <a:normAutofit fontScale="85000" lnSpcReduction="10000"/>
+          </a:bodyPr>
+          <a:lstStyle/>
+          <a:p>
+            <a:r>
+              <a:rPr lang="es-ES" dirty="0" smtClean="0">
+                <a:solidFill>
+                  <a:schemeClr val="accent5">
+                    <a:lumMod val="50000"/>
+                  </a:schemeClr>
+                </a:solidFill>
+              </a:rPr>
+              <a:t>Entreno1  </a:t>
+            </a:r>
+            <a:r>
+              <a:rPr lang="es-ES" dirty="0" smtClean="0">
+                <a:solidFill>
+                  <a:schemeClr val="accent5">
+                    <a:lumMod val="50000"/>
+                  </a:schemeClr>
+                </a:solidFill>
+                <a:sym typeface="Wingdings" pitchFamily="2" charset="2"/>
+              </a:rPr>
+              <a:t> </a:t>
+            </a:r>
+            <a:r>
+              <a:rPr lang="es-ES" dirty="0" err="1" smtClean="0">
+                <a:solidFill>
+                  <a:schemeClr val="accent5">
+                    <a:lumMod val="50000"/>
+                  </a:schemeClr>
+                </a:solidFill>
+              </a:rPr>
+              <a:t>LabelEncoder</a:t>
+            </a:r>
+            <a:r>
+              <a:rPr lang="es-ES" dirty="0" smtClean="0">
+                <a:solidFill>
+                  <a:schemeClr val="accent5">
+                    <a:lumMod val="50000"/>
+                  </a:schemeClr>
+                </a:solidFill>
+              </a:rPr>
+              <a:t> auto</a:t>
+            </a:r>
+          </a:p>
+          <a:p>
+            <a:endParaRPr lang="es-ES" dirty="0" smtClean="0">
+              <a:solidFill>
+                <a:schemeClr val="accent5">
+                  <a:lumMod val="50000"/>
+                </a:schemeClr>
+              </a:solidFill>
+            </a:endParaRPr>
+          </a:p>
+          <a:p>
+            <a:r>
+              <a:rPr lang="es-ES" dirty="0" smtClean="0">
+                <a:solidFill>
+                  <a:schemeClr val="accent5">
+                    <a:lumMod val="50000"/>
+                  </a:schemeClr>
+                </a:solidFill>
+              </a:rPr>
+              <a:t>Entreno2  </a:t>
+            </a:r>
+            <a:r>
+              <a:rPr lang="es-ES" dirty="0" smtClean="0">
+                <a:solidFill>
+                  <a:schemeClr val="accent5">
+                    <a:lumMod val="50000"/>
+                  </a:schemeClr>
+                </a:solidFill>
+                <a:sym typeface="Wingdings" pitchFamily="2" charset="2"/>
+              </a:rPr>
+              <a:t> </a:t>
+            </a:r>
+            <a:r>
+              <a:rPr lang="es-ES" dirty="0" err="1" smtClean="0">
+                <a:solidFill>
+                  <a:schemeClr val="accent5">
+                    <a:lumMod val="50000"/>
+                  </a:schemeClr>
+                </a:solidFill>
+              </a:rPr>
+              <a:t>LabelEncoder</a:t>
+            </a:r>
+            <a:r>
+              <a:rPr lang="es-ES" dirty="0" smtClean="0">
+                <a:solidFill>
+                  <a:schemeClr val="accent5">
+                    <a:lumMod val="50000"/>
+                  </a:schemeClr>
+                </a:solidFill>
+              </a:rPr>
+              <a:t> guiado</a:t>
+            </a:r>
+          </a:p>
+          <a:p>
+            <a:pPr>
+              <a:buNone/>
+            </a:pPr>
+            <a:endParaRPr lang="es-ES" dirty="0" smtClean="0">
+              <a:solidFill>
+                <a:schemeClr val="accent5">
+                  <a:lumMod val="50000"/>
+                </a:schemeClr>
+              </a:solidFill>
+            </a:endParaRPr>
+          </a:p>
+          <a:p>
+            <a:r>
+              <a:rPr lang="es-ES" dirty="0" smtClean="0">
+                <a:solidFill>
+                  <a:schemeClr val="accent5">
+                    <a:lumMod val="50000"/>
+                  </a:schemeClr>
+                </a:solidFill>
+              </a:rPr>
+              <a:t>Entreno4  </a:t>
+            </a:r>
+            <a:r>
+              <a:rPr lang="es-ES" dirty="0" smtClean="0">
+                <a:solidFill>
+                  <a:schemeClr val="accent5">
+                    <a:lumMod val="50000"/>
+                  </a:schemeClr>
+                </a:solidFill>
+                <a:sym typeface="Wingdings" pitchFamily="2" charset="2"/>
+              </a:rPr>
+              <a:t> </a:t>
+            </a:r>
+            <a:r>
+              <a:rPr lang="es-ES" dirty="0" err="1" smtClean="0">
+                <a:solidFill>
+                  <a:schemeClr val="accent5">
+                    <a:lumMod val="50000"/>
+                  </a:schemeClr>
+                </a:solidFill>
+                <a:sym typeface="Wingdings" pitchFamily="2" charset="2"/>
+              </a:rPr>
+              <a:t>getdummis</a:t>
+            </a:r>
+            <a:r>
+              <a:rPr lang="es-ES" dirty="0" smtClean="0">
+                <a:solidFill>
+                  <a:schemeClr val="accent5">
+                    <a:lumMod val="50000"/>
+                  </a:schemeClr>
+                </a:solidFill>
+                <a:sym typeface="Wingdings" pitchFamily="2" charset="2"/>
+              </a:rPr>
+              <a:t> + </a:t>
+            </a:r>
+            <a:r>
+              <a:rPr lang="es-ES" dirty="0" err="1" smtClean="0">
+                <a:solidFill>
+                  <a:schemeClr val="accent5">
+                    <a:lumMod val="50000"/>
+                  </a:schemeClr>
+                </a:solidFill>
+              </a:rPr>
+              <a:t>LabelEncoder</a:t>
+            </a:r>
+            <a:r>
+              <a:rPr lang="es-ES" dirty="0" smtClean="0">
+                <a:solidFill>
+                  <a:schemeClr val="accent5">
+                    <a:lumMod val="50000"/>
+                  </a:schemeClr>
+                </a:solidFill>
+              </a:rPr>
+              <a:t> </a:t>
+            </a:r>
+            <a:r>
+              <a:rPr lang="es-ES" dirty="0" smtClean="0">
+                <a:solidFill>
+                  <a:schemeClr val="accent5">
+                    <a:lumMod val="50000"/>
+                  </a:schemeClr>
+                </a:solidFill>
+              </a:rPr>
+              <a:t>auto + </a:t>
+            </a:r>
+            <a:r>
+              <a:rPr lang="es-ES" dirty="0" err="1" smtClean="0">
+                <a:solidFill>
+                  <a:schemeClr val="accent5">
+                    <a:lumMod val="50000"/>
+                  </a:schemeClr>
+                </a:solidFill>
+              </a:rPr>
+              <a:t>dropcolumn</a:t>
+            </a:r>
+            <a:r>
+              <a:rPr lang="es-ES" dirty="0" smtClean="0">
+                <a:solidFill>
+                  <a:schemeClr val="accent5">
+                    <a:lumMod val="50000"/>
+                  </a:schemeClr>
+                </a:solidFill>
+              </a:rPr>
+              <a:t> (alta </a:t>
+            </a:r>
+            <a:r>
+              <a:rPr lang="es-ES" dirty="0" err="1" smtClean="0">
+                <a:solidFill>
+                  <a:schemeClr val="accent5">
+                    <a:lumMod val="50000"/>
+                  </a:schemeClr>
+                </a:solidFill>
+              </a:rPr>
+              <a:t>correlacion</a:t>
+            </a:r>
+            <a:r>
+              <a:rPr lang="es-ES" dirty="0" smtClean="0">
+                <a:solidFill>
+                  <a:schemeClr val="accent5">
+                    <a:lumMod val="50000"/>
+                  </a:schemeClr>
+                </a:solidFill>
+              </a:rPr>
+              <a:t>)</a:t>
+            </a:r>
+          </a:p>
+          <a:p>
+            <a:endParaRPr lang="es-ES" dirty="0" smtClean="0">
+              <a:solidFill>
+                <a:schemeClr val="accent5">
+                  <a:lumMod val="50000"/>
+                </a:schemeClr>
+              </a:solidFill>
+            </a:endParaRPr>
+          </a:p>
+          <a:p>
+            <a:r>
+              <a:rPr lang="es-ES" dirty="0" smtClean="0">
+                <a:solidFill>
+                  <a:schemeClr val="accent5">
+                    <a:lumMod val="50000"/>
+                  </a:schemeClr>
+                </a:solidFill>
+              </a:rPr>
+              <a:t>Entreno1b  </a:t>
+            </a:r>
+            <a:r>
+              <a:rPr lang="es-ES" dirty="0" smtClean="0">
+                <a:solidFill>
+                  <a:schemeClr val="accent5">
+                    <a:lumMod val="50000"/>
+                  </a:schemeClr>
+                </a:solidFill>
+                <a:sym typeface="Wingdings" pitchFamily="2" charset="2"/>
+              </a:rPr>
+              <a:t> </a:t>
+            </a:r>
+            <a:r>
+              <a:rPr lang="es-ES" dirty="0" err="1" smtClean="0">
+                <a:solidFill>
+                  <a:schemeClr val="accent5">
+                    <a:lumMod val="50000"/>
+                  </a:schemeClr>
+                </a:solidFill>
+              </a:rPr>
+              <a:t>LabelEncoder</a:t>
+            </a:r>
+            <a:r>
+              <a:rPr lang="es-ES" dirty="0" smtClean="0">
+                <a:solidFill>
+                  <a:schemeClr val="accent5">
+                    <a:lumMod val="50000"/>
+                  </a:schemeClr>
+                </a:solidFill>
+              </a:rPr>
+              <a:t> </a:t>
+            </a:r>
+            <a:r>
+              <a:rPr lang="es-ES" dirty="0" smtClean="0">
+                <a:solidFill>
+                  <a:schemeClr val="accent5">
+                    <a:lumMod val="50000"/>
+                  </a:schemeClr>
+                </a:solidFill>
+              </a:rPr>
+              <a:t>auto </a:t>
+            </a:r>
+            <a:r>
+              <a:rPr lang="es-ES" dirty="0" smtClean="0">
+                <a:solidFill>
+                  <a:schemeClr val="accent5">
+                    <a:lumMod val="50000"/>
+                  </a:schemeClr>
+                </a:solidFill>
+              </a:rPr>
+              <a:t>+ </a:t>
+            </a:r>
+            <a:r>
+              <a:rPr lang="es-ES" dirty="0" err="1" smtClean="0">
+                <a:solidFill>
+                  <a:schemeClr val="accent5">
+                    <a:lumMod val="50000"/>
+                  </a:schemeClr>
+                </a:solidFill>
+              </a:rPr>
+              <a:t>dropcolumn</a:t>
+            </a:r>
+            <a:r>
+              <a:rPr lang="es-ES" dirty="0" smtClean="0">
+                <a:solidFill>
+                  <a:schemeClr val="accent5">
+                    <a:lumMod val="50000"/>
+                  </a:schemeClr>
+                </a:solidFill>
+              </a:rPr>
+              <a:t> (alta correlación)</a:t>
+            </a:r>
+            <a:endParaRPr lang="es-ES" dirty="0" smtClean="0">
+              <a:solidFill>
+                <a:schemeClr val="accent5">
+                  <a:lumMod val="50000"/>
+                </a:schemeClr>
+              </a:solidFill>
+            </a:endParaRPr>
+          </a:p>
+          <a:p>
+            <a:endParaRPr lang="es-ES" dirty="0" smtClean="0"/>
+          </a:p>
+          <a:p>
+            <a:endParaRPr lang="es-ES" dirty="0" smtClean="0"/>
+          </a:p>
+          <a:p>
+            <a:endParaRPr lang="es-ES" dirty="0"/>
+          </a:p>
+        </p:txBody>
+      </p:sp>
+      <p:sp>
+        <p:nvSpPr>
+          <p:cNvPr id="4" name="3 Rectángulo"/>
+          <p:cNvSpPr/>
+          <p:nvPr/>
+        </p:nvSpPr>
+        <p:spPr>
+          <a:xfrm>
+            <a:off x="357158" y="1857365"/>
+            <a:ext cx="3286148" cy="3416320"/>
+          </a:xfrm>
+          <a:prstGeom prst="rect">
+            <a:avLst/>
+          </a:prstGeom>
+        </p:spPr>
+        <p:txBody>
+          <a:bodyPr wrap="square">
+            <a:spAutoFit/>
+          </a:bodyPr>
+          <a:lstStyle/>
+          <a:p>
+            <a:pPr marL="457200" lvl="0" indent="-342900">
+              <a:buSzPts val="1800"/>
+            </a:pPr>
+            <a:r>
+              <a:rPr lang="en-US" dirty="0" smtClean="0">
+                <a:solidFill>
+                  <a:schemeClr val="accent5">
+                    <a:lumMod val="50000"/>
+                  </a:schemeClr>
+                </a:solidFill>
+              </a:rPr>
+              <a:t>9 </a:t>
+            </a:r>
+            <a:r>
+              <a:rPr lang="en-US" dirty="0" err="1" smtClean="0">
+                <a:solidFill>
+                  <a:schemeClr val="accent5">
+                    <a:lumMod val="50000"/>
+                  </a:schemeClr>
+                </a:solidFill>
+              </a:rPr>
+              <a:t>columnas</a:t>
+            </a:r>
+            <a:r>
+              <a:rPr lang="en-US" dirty="0" smtClean="0">
+                <a:solidFill>
+                  <a:schemeClr val="accent5">
+                    <a:lumMod val="50000"/>
+                  </a:schemeClr>
+                </a:solidFill>
+              </a:rPr>
+              <a:t> </a:t>
+            </a:r>
+            <a:r>
+              <a:rPr lang="en-US" dirty="0" smtClean="0">
+                <a:solidFill>
+                  <a:schemeClr val="accent5">
+                    <a:lumMod val="50000"/>
+                  </a:schemeClr>
+                </a:solidFill>
+              </a:rPr>
+              <a:t>(6 </a:t>
+            </a:r>
+            <a:r>
+              <a:rPr lang="en-US" dirty="0" err="1" smtClean="0">
+                <a:solidFill>
+                  <a:schemeClr val="accent5">
+                    <a:lumMod val="50000"/>
+                  </a:schemeClr>
+                </a:solidFill>
+              </a:rPr>
+              <a:t>categóricas</a:t>
+            </a:r>
+            <a:r>
+              <a:rPr lang="en-US" dirty="0" smtClean="0">
+                <a:solidFill>
+                  <a:schemeClr val="accent5">
+                    <a:lumMod val="50000"/>
+                  </a:schemeClr>
+                </a:solidFill>
+              </a:rPr>
+              <a:t>)</a:t>
+            </a:r>
+            <a:endParaRPr lang="en-US" dirty="0" smtClean="0">
+              <a:solidFill>
+                <a:schemeClr val="accent5">
+                  <a:lumMod val="50000"/>
+                </a:schemeClr>
+              </a:solidFill>
+            </a:endParaRPr>
+          </a:p>
+          <a:p>
+            <a:pPr marL="457200" lvl="0" indent="-342900">
+              <a:buSzPts val="1800"/>
+            </a:pPr>
+            <a:endParaRPr lang="en-US" dirty="0" smtClean="0">
+              <a:solidFill>
+                <a:schemeClr val="accent5">
+                  <a:lumMod val="50000"/>
+                </a:schemeClr>
+              </a:solidFill>
+            </a:endParaRPr>
+          </a:p>
+          <a:p>
+            <a:pPr marL="457200" lvl="0" indent="-342900">
+              <a:buSzPts val="1800"/>
+              <a:buAutoNum type="arabicPeriod"/>
+            </a:pPr>
+            <a:r>
+              <a:rPr lang="en-US" dirty="0" err="1" smtClean="0">
+                <a:solidFill>
+                  <a:schemeClr val="accent5">
+                    <a:lumMod val="50000"/>
+                  </a:schemeClr>
+                </a:solidFill>
+              </a:rPr>
+              <a:t>work_year</a:t>
+            </a:r>
+            <a:r>
+              <a:rPr lang="en-US" dirty="0" smtClean="0">
+                <a:solidFill>
+                  <a:schemeClr val="accent5">
+                    <a:lumMod val="50000"/>
+                  </a:schemeClr>
+                </a:solidFill>
+              </a:rPr>
+              <a:t> (</a:t>
+            </a:r>
+            <a:r>
+              <a:rPr lang="en-US" dirty="0" err="1" smtClean="0">
+                <a:solidFill>
+                  <a:schemeClr val="accent5">
+                    <a:lumMod val="50000"/>
+                  </a:schemeClr>
+                </a:solidFill>
+              </a:rPr>
+              <a:t>int</a:t>
+            </a:r>
+            <a:r>
+              <a:rPr lang="en-US" dirty="0" smtClean="0">
+                <a:solidFill>
+                  <a:schemeClr val="accent5">
+                    <a:lumMod val="50000"/>
+                  </a:schemeClr>
+                </a:solidFill>
+              </a:rPr>
+              <a:t>)</a:t>
+            </a:r>
+            <a:endParaRPr lang="en-US" dirty="0" smtClean="0">
+              <a:solidFill>
+                <a:schemeClr val="accent5">
+                  <a:lumMod val="50000"/>
+                </a:schemeClr>
+              </a:solidFill>
+            </a:endParaRPr>
+          </a:p>
+          <a:p>
+            <a:pPr marL="457200" lvl="0" indent="-342900">
+              <a:buSzPts val="1800"/>
+              <a:buAutoNum type="arabicPeriod"/>
+            </a:pPr>
+            <a:r>
+              <a:rPr lang="en-US" dirty="0" err="1" smtClean="0">
+                <a:solidFill>
+                  <a:schemeClr val="accent5">
+                    <a:lumMod val="50000"/>
+                  </a:schemeClr>
+                </a:solidFill>
+              </a:rPr>
+              <a:t>experience_level</a:t>
+            </a:r>
+            <a:r>
+              <a:rPr lang="en-US" dirty="0" smtClean="0">
+                <a:solidFill>
+                  <a:schemeClr val="accent5">
+                    <a:lumMod val="50000"/>
+                  </a:schemeClr>
+                </a:solidFill>
+              </a:rPr>
+              <a:t> (object)</a:t>
+            </a:r>
+            <a:endParaRPr lang="en-US" dirty="0" smtClean="0">
+              <a:solidFill>
+                <a:schemeClr val="accent5">
+                  <a:lumMod val="50000"/>
+                </a:schemeClr>
+              </a:solidFill>
+            </a:endParaRPr>
+          </a:p>
+          <a:p>
+            <a:pPr marL="457200" lvl="0" indent="-342900">
+              <a:buSzPts val="1800"/>
+              <a:buAutoNum type="arabicPeriod"/>
+            </a:pPr>
+            <a:r>
+              <a:rPr lang="en-US" dirty="0" err="1" smtClean="0">
+                <a:solidFill>
+                  <a:schemeClr val="accent5">
+                    <a:lumMod val="50000"/>
+                  </a:schemeClr>
+                </a:solidFill>
+              </a:rPr>
+              <a:t>employment_type</a:t>
+            </a:r>
+            <a:r>
+              <a:rPr lang="en-US" dirty="0" smtClean="0">
+                <a:solidFill>
+                  <a:schemeClr val="accent5">
+                    <a:lumMod val="50000"/>
+                  </a:schemeClr>
+                </a:solidFill>
+              </a:rPr>
+              <a:t> </a:t>
+            </a:r>
+            <a:r>
+              <a:rPr lang="en-US" dirty="0" smtClean="0">
+                <a:solidFill>
+                  <a:schemeClr val="accent5">
+                    <a:lumMod val="50000"/>
+                  </a:schemeClr>
+                </a:solidFill>
+              </a:rPr>
+              <a:t>(object)</a:t>
+            </a:r>
+          </a:p>
+          <a:p>
+            <a:pPr marL="457200" lvl="0" indent="-342900">
+              <a:buSzPts val="1800"/>
+              <a:buAutoNum type="arabicPeriod"/>
+            </a:pPr>
+            <a:r>
+              <a:rPr lang="en-US" dirty="0" err="1" smtClean="0">
+                <a:solidFill>
+                  <a:schemeClr val="accent5">
+                    <a:lumMod val="50000"/>
+                  </a:schemeClr>
+                </a:solidFill>
+              </a:rPr>
+              <a:t>job_title</a:t>
+            </a:r>
+            <a:r>
+              <a:rPr lang="en-US" dirty="0" smtClean="0">
+                <a:solidFill>
+                  <a:schemeClr val="accent5">
+                    <a:lumMod val="50000"/>
+                  </a:schemeClr>
+                </a:solidFill>
+              </a:rPr>
+              <a:t> </a:t>
+            </a:r>
+            <a:r>
+              <a:rPr lang="en-US" dirty="0" smtClean="0">
+                <a:solidFill>
+                  <a:schemeClr val="accent5">
+                    <a:lumMod val="50000"/>
+                  </a:schemeClr>
+                </a:solidFill>
+              </a:rPr>
+              <a:t>(object)</a:t>
+            </a:r>
+          </a:p>
+          <a:p>
+            <a:pPr marL="457200" lvl="0" indent="-342900">
+              <a:buSzPts val="1800"/>
+              <a:buAutoNum type="arabicPeriod"/>
+            </a:pPr>
+            <a:r>
+              <a:rPr lang="en-US" dirty="0" err="1" smtClean="0">
+                <a:solidFill>
+                  <a:schemeClr val="accent5">
+                    <a:lumMod val="50000"/>
+                  </a:schemeClr>
+                </a:solidFill>
+              </a:rPr>
+              <a:t>salary_in_usd</a:t>
+            </a:r>
+            <a:r>
+              <a:rPr lang="en-US" dirty="0" smtClean="0">
+                <a:solidFill>
+                  <a:schemeClr val="accent5">
+                    <a:lumMod val="50000"/>
+                  </a:schemeClr>
+                </a:solidFill>
+              </a:rPr>
+              <a:t> </a:t>
+            </a:r>
+            <a:r>
+              <a:rPr lang="en-US" dirty="0" smtClean="0">
+                <a:solidFill>
+                  <a:schemeClr val="accent5">
+                    <a:lumMod val="50000"/>
+                  </a:schemeClr>
+                </a:solidFill>
+              </a:rPr>
+              <a:t>(float)</a:t>
+            </a:r>
+            <a:endParaRPr lang="en-US" dirty="0" smtClean="0">
+              <a:solidFill>
+                <a:schemeClr val="accent5">
+                  <a:lumMod val="50000"/>
+                </a:schemeClr>
+              </a:solidFill>
+            </a:endParaRPr>
+          </a:p>
+          <a:p>
+            <a:pPr marL="457200" lvl="0" indent="-342900">
+              <a:buSzPts val="1800"/>
+              <a:buAutoNum type="arabicPeriod"/>
+            </a:pPr>
+            <a:r>
+              <a:rPr lang="en-US" dirty="0" err="1" smtClean="0">
+                <a:solidFill>
+                  <a:schemeClr val="accent5">
+                    <a:lumMod val="50000"/>
+                  </a:schemeClr>
+                </a:solidFill>
+              </a:rPr>
+              <a:t>employee_residence</a:t>
+            </a:r>
+            <a:r>
+              <a:rPr lang="en-US" dirty="0" smtClean="0">
+                <a:solidFill>
+                  <a:schemeClr val="accent5">
+                    <a:lumMod val="50000"/>
+                  </a:schemeClr>
+                </a:solidFill>
+              </a:rPr>
+              <a:t> </a:t>
+            </a:r>
+            <a:r>
+              <a:rPr lang="en-US" dirty="0" smtClean="0">
+                <a:solidFill>
+                  <a:schemeClr val="accent5">
+                    <a:lumMod val="50000"/>
+                  </a:schemeClr>
+                </a:solidFill>
+              </a:rPr>
+              <a:t>(object)</a:t>
+            </a:r>
+          </a:p>
+          <a:p>
+            <a:pPr marL="457200" lvl="0" indent="-342900">
+              <a:buSzPts val="1800"/>
+              <a:buAutoNum type="arabicPeriod"/>
+            </a:pPr>
+            <a:r>
+              <a:rPr lang="en-US" dirty="0" err="1" smtClean="0">
+                <a:solidFill>
+                  <a:schemeClr val="accent5">
+                    <a:lumMod val="50000"/>
+                  </a:schemeClr>
+                </a:solidFill>
+              </a:rPr>
+              <a:t>remote_ratio</a:t>
+            </a:r>
+            <a:r>
+              <a:rPr lang="en-US" dirty="0" smtClean="0">
+                <a:solidFill>
+                  <a:schemeClr val="accent5">
+                    <a:lumMod val="50000"/>
+                  </a:schemeClr>
+                </a:solidFill>
+              </a:rPr>
+              <a:t> </a:t>
+            </a:r>
+            <a:r>
+              <a:rPr lang="en-US" dirty="0" smtClean="0">
+                <a:solidFill>
+                  <a:schemeClr val="accent5">
+                    <a:lumMod val="50000"/>
+                  </a:schemeClr>
+                </a:solidFill>
+              </a:rPr>
+              <a:t>(</a:t>
+            </a:r>
+            <a:r>
+              <a:rPr lang="en-US" dirty="0" err="1" smtClean="0">
+                <a:solidFill>
+                  <a:schemeClr val="accent5">
+                    <a:lumMod val="50000"/>
+                  </a:schemeClr>
+                </a:solidFill>
+              </a:rPr>
+              <a:t>int</a:t>
+            </a:r>
+            <a:r>
+              <a:rPr lang="en-US" dirty="0" smtClean="0">
+                <a:solidFill>
+                  <a:schemeClr val="accent5">
+                    <a:lumMod val="50000"/>
+                  </a:schemeClr>
+                </a:solidFill>
+              </a:rPr>
+              <a:t>)</a:t>
+            </a:r>
+          </a:p>
+          <a:p>
+            <a:pPr marL="457200" lvl="0" indent="-342900">
+              <a:buSzPts val="1800"/>
+              <a:buAutoNum type="arabicPeriod"/>
+            </a:pPr>
+            <a:r>
+              <a:rPr lang="en-US" dirty="0" err="1" smtClean="0">
+                <a:solidFill>
+                  <a:schemeClr val="accent5">
+                    <a:lumMod val="50000"/>
+                  </a:schemeClr>
+                </a:solidFill>
+              </a:rPr>
+              <a:t>company_location</a:t>
+            </a:r>
+            <a:r>
+              <a:rPr lang="en-US" dirty="0" smtClean="0">
+                <a:solidFill>
+                  <a:schemeClr val="accent5">
+                    <a:lumMod val="50000"/>
+                  </a:schemeClr>
+                </a:solidFill>
+              </a:rPr>
+              <a:t> </a:t>
+            </a:r>
+            <a:r>
+              <a:rPr lang="en-US" dirty="0" smtClean="0">
+                <a:solidFill>
+                  <a:schemeClr val="accent5">
+                    <a:lumMod val="50000"/>
+                  </a:schemeClr>
+                </a:solidFill>
+              </a:rPr>
+              <a:t>(object)</a:t>
+            </a:r>
+          </a:p>
+          <a:p>
+            <a:pPr marL="457200" lvl="0" indent="-342900">
+              <a:buSzPts val="1800"/>
+              <a:buAutoNum type="arabicPeriod"/>
+            </a:pPr>
+            <a:r>
+              <a:rPr lang="en-US" dirty="0" err="1" smtClean="0">
+                <a:solidFill>
+                  <a:schemeClr val="accent5">
+                    <a:lumMod val="50000"/>
+                  </a:schemeClr>
+                </a:solidFill>
+              </a:rPr>
+              <a:t>company_size</a:t>
+            </a:r>
+            <a:r>
+              <a:rPr lang="en-US" dirty="0" smtClean="0">
+                <a:solidFill>
+                  <a:schemeClr val="accent5">
+                    <a:lumMod val="50000"/>
+                  </a:schemeClr>
+                </a:solidFill>
+              </a:rPr>
+              <a:t> </a:t>
+            </a:r>
+            <a:r>
+              <a:rPr lang="en-US" dirty="0" smtClean="0">
+                <a:solidFill>
+                  <a:schemeClr val="accent5">
+                    <a:lumMod val="50000"/>
+                  </a:schemeClr>
+                </a:solidFill>
+              </a:rPr>
+              <a:t>(object)</a:t>
+            </a:r>
+            <a:endParaRPr lang="es-ES" dirty="0">
+              <a:solidFill>
+                <a:schemeClr val="accent5">
+                  <a:lumMod val="50000"/>
+                </a:schemeClr>
+              </a:solidFill>
+            </a:endParaRPr>
+          </a:p>
+        </p:txBody>
+      </p:sp>
+      <p:sp>
+        <p:nvSpPr>
+          <p:cNvPr id="5" name="1 Título"/>
+          <p:cNvSpPr txBox="1">
+            <a:spLocks/>
+          </p:cNvSpPr>
+          <p:nvPr/>
+        </p:nvSpPr>
+        <p:spPr>
+          <a:xfrm>
+            <a:off x="723872" y="152400"/>
+            <a:ext cx="8015286" cy="1071546"/>
+          </a:xfrm>
+          <a:prstGeom prst="rect">
+            <a:avLst/>
+          </a:prstGeom>
+        </p:spPr>
+        <p:txBody>
+          <a:bodyPr vert="horz" lIns="91440" tIns="45720" rIns="91440" bIns="45720" rtlCol="0" anchor="ctr">
+            <a:normAutofit/>
+          </a:bodyPr>
+          <a:lstStyle/>
+          <a:p>
+            <a:pPr marL="0" marR="0" lvl="0" indent="0" algn="ctr" defTabSz="914400" rtl="0" eaLnBrk="1" fontAlgn="auto" latinLnBrk="0" hangingPunct="1">
+              <a:lnSpc>
+                <a:spcPct val="100000"/>
+              </a:lnSpc>
+              <a:spcBef>
+                <a:spcPct val="0"/>
+              </a:spcBef>
+              <a:spcAft>
+                <a:spcPts val="0"/>
+              </a:spcAft>
+              <a:buClrTx/>
+              <a:buSzTx/>
+              <a:buFontTx/>
+              <a:buNone/>
+              <a:tabLst/>
+              <a:defRPr/>
+            </a:pPr>
+            <a:endParaRPr kumimoji="0" lang="es-ES" sz="3800" b="1" i="0" u="none" strike="noStrike" kern="1200" cap="none" spc="0" normalizeH="0" baseline="0" noProof="0" dirty="0">
+              <a:ln>
+                <a:noFill/>
+              </a:ln>
+              <a:solidFill>
+                <a:schemeClr val="tx1"/>
+              </a:solidFill>
+              <a:effectLst/>
+              <a:uLnTx/>
+              <a:uFillTx/>
+              <a:latin typeface="+mj-lt"/>
+              <a:ea typeface="+mj-ea"/>
+              <a:cs typeface="+mj-cs"/>
+            </a:endParaRPr>
+          </a:p>
+        </p:txBody>
+      </p:sp>
+      <p:sp>
+        <p:nvSpPr>
+          <p:cNvPr id="6" name="1 Título"/>
+          <p:cNvSpPr txBox="1">
+            <a:spLocks/>
+          </p:cNvSpPr>
+          <p:nvPr/>
+        </p:nvSpPr>
+        <p:spPr>
+          <a:xfrm>
+            <a:off x="357158" y="1000108"/>
+            <a:ext cx="3214710" cy="1071546"/>
+          </a:xfrm>
+          <a:prstGeom prst="rect">
+            <a:avLst/>
+          </a:prstGeom>
+        </p:spPr>
+        <p:txBody>
+          <a:bodyPr vert="horz" lIns="91440" tIns="45720" rIns="91440" bIns="45720" rtlCol="0" anchor="ctr">
+            <a:normAutofit/>
+          </a:bodyPr>
+          <a:lstStyle/>
+          <a:p>
+            <a:pPr marL="0" marR="0" lvl="0" indent="0" algn="ctr" defTabSz="914400" rtl="0" eaLnBrk="1" fontAlgn="auto" latinLnBrk="0" hangingPunct="1">
+              <a:lnSpc>
+                <a:spcPct val="100000"/>
+              </a:lnSpc>
+              <a:spcBef>
+                <a:spcPct val="0"/>
+              </a:spcBef>
+              <a:spcAft>
+                <a:spcPts val="0"/>
+              </a:spcAft>
+              <a:buClrTx/>
+              <a:buSzTx/>
+              <a:buFontTx/>
+              <a:buNone/>
+              <a:tabLst/>
+              <a:defRPr/>
+            </a:pPr>
+            <a:r>
+              <a:rPr kumimoji="0" lang="es-ES" sz="3000" b="1" i="0" u="none" strike="noStrike" kern="1200" cap="none" spc="0" normalizeH="0" baseline="0" noProof="0" dirty="0" smtClean="0">
+                <a:ln>
+                  <a:noFill/>
+                </a:ln>
+                <a:solidFill>
+                  <a:schemeClr val="accent5">
+                    <a:lumMod val="50000"/>
+                  </a:schemeClr>
+                </a:solidFill>
+                <a:effectLst/>
+                <a:uLnTx/>
+                <a:uFillTx/>
+                <a:latin typeface="+mj-lt"/>
+                <a:ea typeface="+mj-ea"/>
+                <a:cs typeface="+mj-cs"/>
+              </a:rPr>
+              <a:t>estructura</a:t>
+            </a:r>
+            <a:endParaRPr kumimoji="0" lang="es-ES" sz="3000" b="1" i="0" u="none" strike="noStrike" kern="1200" cap="none" spc="0" normalizeH="0" baseline="0" noProof="0" dirty="0">
+              <a:ln>
+                <a:noFill/>
+              </a:ln>
+              <a:solidFill>
+                <a:schemeClr val="accent5">
+                  <a:lumMod val="50000"/>
+                </a:schemeClr>
+              </a:solidFill>
+              <a:effectLst/>
+              <a:uLnTx/>
+              <a:uFillTx/>
+              <a:latin typeface="+mj-lt"/>
+              <a:ea typeface="+mj-ea"/>
+              <a:cs typeface="+mj-cs"/>
+            </a:endParaRPr>
           </a:p>
         </p:txBody>
       </p:sp>
@@ -3381,102 +4855,267 @@
             <p:ph type="title"/>
           </p:nvPr>
         </p:nvSpPr>
-        <p:spPr/>
-        <p:txBody>
-          <a:bodyPr/>
-          <a:lstStyle/>
-          <a:p>
-            <a:endParaRPr lang="es-ES"/>
-          </a:p>
-        </p:txBody>
-      </p:sp>
-      <p:sp>
-        <p:nvSpPr>
-          <p:cNvPr id="3" name="2 Marcador de contenido"/>
-          <p:cNvSpPr>
-            <a:spLocks noGrp="1"/>
-          </p:cNvSpPr>
+        <p:spPr>
+          <a:xfrm>
+            <a:off x="1785918" y="0"/>
+            <a:ext cx="5715040" cy="928670"/>
+          </a:xfrm>
+        </p:spPr>
+        <p:txBody>
+          <a:bodyPr>
+            <a:normAutofit/>
+          </a:bodyPr>
+          <a:lstStyle/>
+          <a:p>
+            <a:r>
+              <a:rPr lang="es-ES" sz="3800" b="1" dirty="0" smtClean="0">
+                <a:solidFill>
+                  <a:schemeClr val="accent5">
+                    <a:lumMod val="50000"/>
+                  </a:schemeClr>
+                </a:solidFill>
+              </a:rPr>
+              <a:t>TESTEOS</a:t>
+            </a:r>
+            <a:endParaRPr lang="es-ES" sz="3800" b="1" dirty="0">
+              <a:solidFill>
+                <a:schemeClr val="accent5">
+                  <a:lumMod val="50000"/>
+                </a:schemeClr>
+              </a:solidFill>
+            </a:endParaRPr>
+          </a:p>
+        </p:txBody>
+      </p:sp>
+      <p:pic>
+        <p:nvPicPr>
+          <p:cNvPr id="1026" name="Picture 2" descr="C:\Users\aaron\AAROON\IRONHACK_BOOTCAMP_DATA\7_machine_learning\proyecto\Kaggle_Competition\img\books_read.png"/>
+          <p:cNvPicPr>
+            <a:picLocks noChangeAspect="1" noChangeArrowheads="1"/>
+          </p:cNvPicPr>
+          <p:nvPr/>
+        </p:nvPicPr>
+        <p:blipFill>
+          <a:blip r:embed="rId2"/>
+          <a:srcRect/>
+          <a:stretch>
+            <a:fillRect/>
+          </a:stretch>
+        </p:blipFill>
+        <p:spPr bwMode="auto">
+          <a:xfrm>
+            <a:off x="142844" y="1285860"/>
+            <a:ext cx="6684586" cy="4253828"/>
+          </a:xfrm>
+          <a:prstGeom prst="rect">
+            <a:avLst/>
+          </a:prstGeom>
+          <a:noFill/>
+        </p:spPr>
+      </p:pic>
+      <p:pic>
+        <p:nvPicPr>
+          <p:cNvPr id="1027" name="Picture 3"/>
+          <p:cNvPicPr>
+            <a:picLocks noGrp="1" noChangeAspect="1" noChangeArrowheads="1"/>
+          </p:cNvPicPr>
           <p:nvPr>
             <p:ph idx="1"/>
           </p:nvPr>
-        </p:nvSpPr>
-        <p:spPr/>
-        <p:txBody>
-          <a:bodyPr/>
-          <a:lstStyle/>
-          <a:p>
-            <a:endParaRPr lang="es-ES"/>
-          </a:p>
-        </p:txBody>
-      </p:sp>
-    </p:spTree>
-  </p:cSld>
-  <p:clrMapOvr>
-    <a:masterClrMapping/>
-  </p:clrMapOvr>
-</p:sld>
-</file>
-
-<file path=ppt/slides/slide5.xml><?xml version="1.0" encoding="utf-8"?>
-<p:sld xmlns:a="http://schemas.openxmlformats.org/drawingml/2006/main" xmlns:r="http://schemas.openxmlformats.org/officeDocument/2006/relationships" xmlns:p="http://schemas.openxmlformats.org/presentationml/2006/main">
-  <p:cSld>
-    <p:bg>
-      <p:bgPr>
-        <a:solidFill>
-          <a:srgbClr val="E5F6FF"/>
-        </a:solidFill>
-        <a:effectLst/>
-      </p:bgPr>
-    </p:bg>
-    <p:spTree>
-      <p:nvGrpSpPr>
-        <p:cNvPr id="1" name=""/>
-        <p:cNvGrpSpPr/>
-        <p:nvPr/>
-      </p:nvGrpSpPr>
-      <p:grpSpPr>
-        <a:xfrm>
-          <a:off x="0" y="0"/>
-          <a:ext cx="0" cy="0"/>
-          <a:chOff x="0" y="0"/>
-          <a:chExt cx="0" cy="0"/>
-        </a:xfrm>
-      </p:grpSpPr>
-      <p:sp>
-        <p:nvSpPr>
-          <p:cNvPr id="2" name="1 Título"/>
-          <p:cNvSpPr>
-            <a:spLocks noGrp="1"/>
-          </p:cNvSpPr>
-          <p:nvPr>
-            <p:ph type="title"/>
-          </p:nvPr>
-        </p:nvSpPr>
-        <p:spPr/>
-        <p:txBody>
-          <a:bodyPr/>
-          <a:lstStyle/>
-          <a:p>
-            <a:endParaRPr lang="es-ES"/>
-          </a:p>
-        </p:txBody>
-      </p:sp>
-      <p:sp>
-        <p:nvSpPr>
-          <p:cNvPr id="3" name="2 Marcador de contenido"/>
-          <p:cNvSpPr>
-            <a:spLocks noGrp="1"/>
-          </p:cNvSpPr>
-          <p:nvPr>
-            <p:ph idx="1"/>
-          </p:nvPr>
-        </p:nvSpPr>
-        <p:spPr/>
-        <p:txBody>
-          <a:bodyPr/>
-          <a:lstStyle/>
-          <a:p>
-            <a:endParaRPr lang="es-ES"/>
+        </p:nvPicPr>
+        <p:blipFill>
+          <a:blip r:embed="rId3"/>
+          <a:srcRect/>
+          <a:stretch>
+            <a:fillRect/>
+          </a:stretch>
+        </p:blipFill>
+        <p:spPr bwMode="auto">
+          <a:xfrm>
+            <a:off x="6786578" y="4286256"/>
+            <a:ext cx="2207725" cy="2134460"/>
+          </a:xfrm>
+          <a:prstGeom prst="rect">
+            <a:avLst/>
+          </a:prstGeom>
+          <a:noFill/>
+          <a:ln w="9525">
+            <a:noFill/>
+            <a:miter lim="800000"/>
+            <a:headEnd/>
+            <a:tailEnd/>
+          </a:ln>
+          <a:effectLst/>
+        </p:spPr>
+      </p:pic>
+      <p:sp>
+        <p:nvSpPr>
+          <p:cNvPr id="7" name="6 CuadroTexto"/>
+          <p:cNvSpPr txBox="1"/>
+          <p:nvPr/>
+        </p:nvSpPr>
+        <p:spPr>
+          <a:xfrm>
+            <a:off x="7072330" y="1500174"/>
+            <a:ext cx="1857388" cy="2031325"/>
+          </a:xfrm>
+          <a:prstGeom prst="rect">
+            <a:avLst/>
+          </a:prstGeom>
+          <a:noFill/>
+        </p:spPr>
+        <p:txBody>
+          <a:bodyPr wrap="square" rtlCol="0">
+            <a:spAutoFit/>
+          </a:bodyPr>
+          <a:lstStyle/>
+          <a:p>
+            <a:r>
+              <a:rPr lang="es-ES" b="1" dirty="0" smtClean="0">
+                <a:solidFill>
+                  <a:schemeClr val="accent5">
+                    <a:lumMod val="50000"/>
+                  </a:schemeClr>
+                </a:solidFill>
+              </a:rPr>
+              <a:t>Mejor modelo:</a:t>
+            </a:r>
+          </a:p>
+          <a:p>
+            <a:endParaRPr lang="es-ES" b="1" dirty="0" smtClean="0">
+              <a:solidFill>
+                <a:schemeClr val="accent5">
+                  <a:lumMod val="50000"/>
+                </a:schemeClr>
+              </a:solidFill>
+            </a:endParaRPr>
+          </a:p>
+          <a:p>
+            <a:r>
+              <a:rPr lang="es-ES" dirty="0" smtClean="0">
+                <a:solidFill>
+                  <a:schemeClr val="accent5">
+                    <a:lumMod val="50000"/>
+                  </a:schemeClr>
+                </a:solidFill>
+              </a:rPr>
+              <a:t>Entreno1 </a:t>
+            </a:r>
+          </a:p>
+          <a:p>
+            <a:r>
+              <a:rPr lang="es-ES" dirty="0" smtClean="0">
+                <a:solidFill>
+                  <a:schemeClr val="accent5">
+                    <a:lumMod val="50000"/>
+                  </a:schemeClr>
+                </a:solidFill>
+              </a:rPr>
+              <a:t>Modelo = </a:t>
+            </a:r>
+            <a:r>
+              <a:rPr lang="es-ES" dirty="0" err="1" smtClean="0">
+                <a:solidFill>
+                  <a:schemeClr val="accent5">
+                    <a:lumMod val="50000"/>
+                  </a:schemeClr>
+                </a:solidFill>
+              </a:rPr>
+              <a:t>rfr</a:t>
+            </a:r>
+            <a:r>
+              <a:rPr lang="es-ES" dirty="0" smtClean="0">
+                <a:solidFill>
+                  <a:schemeClr val="accent5">
+                    <a:lumMod val="50000"/>
+                  </a:schemeClr>
+                </a:solidFill>
+              </a:rPr>
+              <a:t> </a:t>
+            </a:r>
+          </a:p>
+          <a:p>
+            <a:r>
+              <a:rPr lang="es-ES" dirty="0" err="1" smtClean="0">
+                <a:solidFill>
+                  <a:schemeClr val="accent5">
+                    <a:lumMod val="50000"/>
+                  </a:schemeClr>
+                </a:solidFill>
+              </a:rPr>
+              <a:t>rmse</a:t>
+            </a:r>
+            <a:r>
+              <a:rPr lang="es-ES" dirty="0" smtClean="0">
+                <a:solidFill>
+                  <a:schemeClr val="accent5">
+                    <a:lumMod val="50000"/>
+                  </a:schemeClr>
+                </a:solidFill>
+              </a:rPr>
+              <a:t> =34861</a:t>
+            </a:r>
+          </a:p>
+          <a:p>
+            <a:r>
+              <a:rPr lang="es-ES" dirty="0" err="1" smtClean="0">
+                <a:solidFill>
+                  <a:schemeClr val="accent5">
+                    <a:lumMod val="50000"/>
+                  </a:schemeClr>
+                </a:solidFill>
+              </a:rPr>
+              <a:t>Mae</a:t>
+            </a:r>
+            <a:r>
+              <a:rPr lang="es-ES" dirty="0" smtClean="0">
+                <a:solidFill>
+                  <a:schemeClr val="accent5">
+                    <a:lumMod val="50000"/>
+                  </a:schemeClr>
+                </a:solidFill>
+              </a:rPr>
+              <a:t> =26930</a:t>
+            </a:r>
+          </a:p>
+          <a:p>
+            <a:r>
+              <a:rPr lang="es-ES" dirty="0" smtClean="0">
+                <a:solidFill>
+                  <a:schemeClr val="accent5">
+                    <a:lumMod val="50000"/>
+                  </a:schemeClr>
+                </a:solidFill>
+              </a:rPr>
+              <a:t>R</a:t>
+            </a:r>
+            <a:r>
+              <a:rPr lang="es-ES" baseline="30000" dirty="0" smtClean="0">
+                <a:solidFill>
+                  <a:schemeClr val="accent5">
+                    <a:lumMod val="50000"/>
+                  </a:schemeClr>
+                </a:solidFill>
+              </a:rPr>
+              <a:t>2 = </a:t>
+            </a:r>
+            <a:r>
+              <a:rPr lang="es-ES" dirty="0" smtClean="0">
+                <a:solidFill>
+                  <a:schemeClr val="accent5">
+                    <a:lumMod val="50000"/>
+                  </a:schemeClr>
+                </a:solidFill>
+              </a:rPr>
+              <a:t>0.6182</a:t>
+            </a:r>
+            <a:endParaRPr lang="es-ES" dirty="0">
+              <a:solidFill>
+                <a:schemeClr val="accent5">
+                  <a:lumMod val="50000"/>
+                </a:schemeClr>
+              </a:solidFill>
+            </a:endParaRPr>
           </a:p>
         </p:txBody>
       </p:sp>
